--- a/BELDAM.pptx
+++ b/BELDAM.pptx
@@ -8,11 +8,12 @@
     <p:sldId id="256" r:id="rId2"/>
     <p:sldId id="257" r:id="rId3"/>
     <p:sldId id="258" r:id="rId4"/>
-    <p:sldId id="259" r:id="rId5"/>
-    <p:sldId id="260" r:id="rId6"/>
-    <p:sldId id="261" r:id="rId7"/>
-    <p:sldId id="262" r:id="rId8"/>
-    <p:sldId id="263" r:id="rId9"/>
+    <p:sldId id="264" r:id="rId5"/>
+    <p:sldId id="259" r:id="rId6"/>
+    <p:sldId id="260" r:id="rId7"/>
+    <p:sldId id="261" r:id="rId8"/>
+    <p:sldId id="262" r:id="rId9"/>
+    <p:sldId id="263" r:id="rId10"/>
   </p:sldIdLst>
   <p:sldSz cx="9144000" cy="6858000" type="screen4x3"/>
   <p:notesSz cx="6858000" cy="9144000"/>
@@ -3438,11 +3439,81 @@
             <p:ph type="subTitle" idx="1"/>
           </p:nvPr>
         </p:nvSpPr>
-        <p:spPr/>
-        <p:txBody>
-          <a:bodyPr/>
-          <a:lstStyle/>
-          <a:p>
+        <p:spPr>
+          <a:xfrm>
+            <a:off x="539552" y="4365104"/>
+            <a:ext cx="6858000" cy="1152128"/>
+          </a:xfrm>
+        </p:spPr>
+        <p:txBody>
+          <a:bodyPr>
+            <a:normAutofit fontScale="47500" lnSpcReduction="20000"/>
+          </a:bodyPr>
+          <a:lstStyle/>
+          <a:p>
+            <a:pPr marL="342900" lvl="0" indent="-342900">
+              <a:buFont typeface="Arial" panose="020B0604020202020204" pitchFamily="34" charset="0"/>
+              <a:buChar char="•"/>
+            </a:pPr>
+            <a:r>
+              <a:rPr lang="fr-CH" dirty="0"/>
+              <a:t>Sacha Bron	</a:t>
+            </a:r>
+          </a:p>
+          <a:p>
+            <a:pPr marL="342900" lvl="0" indent="-342900">
+              <a:buFont typeface="Arial" panose="020B0604020202020204" pitchFamily="34" charset="0"/>
+              <a:buChar char="•"/>
+            </a:pPr>
+            <a:r>
+              <a:rPr lang="de-CH" dirty="0"/>
+              <a:t>Simon </a:t>
+            </a:r>
+            <a:r>
+              <a:rPr lang="de-CH" dirty="0" err="1"/>
+              <a:t>Baehler</a:t>
+            </a:r>
+            <a:endParaRPr lang="fr-CH" dirty="0"/>
+          </a:p>
+          <a:p>
+            <a:pPr marL="342900" lvl="0" indent="-342900">
+              <a:buFont typeface="Arial" panose="020B0604020202020204" pitchFamily="34" charset="0"/>
+              <a:buChar char="•"/>
+            </a:pPr>
+            <a:r>
+              <a:rPr lang="de-CH" dirty="0"/>
+              <a:t>Bastian Gardel	</a:t>
+            </a:r>
+            <a:endParaRPr lang="fr-CH" dirty="0"/>
+          </a:p>
+          <a:p>
+            <a:pPr marL="342900" lvl="0" indent="-342900">
+              <a:buFont typeface="Arial" panose="020B0604020202020204" pitchFamily="34" charset="0"/>
+              <a:buChar char="•"/>
+            </a:pPr>
+            <a:r>
+              <a:rPr lang="de-CH" dirty="0"/>
+              <a:t>Leonard </a:t>
+            </a:r>
+            <a:r>
+              <a:rPr lang="de-CH" dirty="0" err="1"/>
+              <a:t>Berrney</a:t>
+            </a:r>
+            <a:endParaRPr lang="fr-CH" dirty="0"/>
+          </a:p>
+          <a:p>
+            <a:pPr marL="342900" lvl="0" indent="-342900">
+              <a:buFont typeface="Arial" panose="020B0604020202020204" pitchFamily="34" charset="0"/>
+              <a:buChar char="•"/>
+            </a:pPr>
+            <a:r>
+              <a:rPr lang="de-CH" dirty="0" err="1"/>
+              <a:t>Ghozlani</a:t>
+            </a:r>
+            <a:r>
+              <a:rPr lang="de-CH" dirty="0"/>
+              <a:t> Karim</a:t>
+            </a:r>
             <a:endParaRPr lang="fr-CH" dirty="0"/>
           </a:p>
         </p:txBody>
@@ -3715,6 +3786,88 @@
 </file>
 
 <file path=ppt/slides/slide4.xml><?xml version="1.0" encoding="utf-8"?>
+<p:sld xmlns:a="http://schemas.openxmlformats.org/drawingml/2006/main" xmlns:r="http://schemas.openxmlformats.org/officeDocument/2006/relationships" xmlns:p="http://schemas.openxmlformats.org/presentationml/2006/main">
+  <p:cSld>
+    <p:spTree>
+      <p:nvGrpSpPr>
+        <p:cNvPr id="1" name=""/>
+        <p:cNvGrpSpPr/>
+        <p:nvPr/>
+      </p:nvGrpSpPr>
+      <p:grpSpPr>
+        <a:xfrm>
+          <a:off x="0" y="0"/>
+          <a:ext cx="0" cy="0"/>
+          <a:chOff x="0" y="0"/>
+          <a:chExt cx="0" cy="0"/>
+        </a:xfrm>
+      </p:grpSpPr>
+      <p:sp>
+        <p:nvSpPr>
+          <p:cNvPr id="2" name="Titre 1"/>
+          <p:cNvSpPr>
+            <a:spLocks noGrp="1"/>
+          </p:cNvSpPr>
+          <p:nvPr>
+            <p:ph type="title"/>
+          </p:nvPr>
+        </p:nvSpPr>
+        <p:spPr/>
+        <p:txBody>
+          <a:bodyPr/>
+          <a:lstStyle/>
+          <a:p>
+            <a:r>
+              <a:rPr lang="fr-CH" dirty="0" smtClean="0"/>
+              <a:t>User Interface</a:t>
+            </a:r>
+            <a:endParaRPr lang="fr-CH" dirty="0"/>
+          </a:p>
+        </p:txBody>
+      </p:sp>
+      <p:pic>
+        <p:nvPicPr>
+          <p:cNvPr id="4" name="Espace réservé du contenu 3"/>
+          <p:cNvPicPr>
+            <a:picLocks noGrp="1" noChangeAspect="1"/>
+          </p:cNvPicPr>
+          <p:nvPr>
+            <p:ph idx="1"/>
+          </p:nvPr>
+        </p:nvPicPr>
+        <p:blipFill>
+          <a:blip r:embed="rId2">
+            <a:extLst>
+              <a:ext uri="{28A0092B-C50C-407E-A947-70E740481C1C}">
+                <a14:useLocalDpi xmlns:a14="http://schemas.microsoft.com/office/drawing/2010/main" val="0"/>
+              </a:ext>
+            </a:extLst>
+          </a:blip>
+          <a:stretch>
+            <a:fillRect/>
+          </a:stretch>
+        </p:blipFill>
+        <p:spPr>
+          <a:xfrm>
+            <a:off x="1015174" y="1752600"/>
+            <a:ext cx="6504051" cy="4373563"/>
+          </a:xfrm>
+        </p:spPr>
+      </p:pic>
+    </p:spTree>
+    <p:extLst>
+      <p:ext uri="{BB962C8B-B14F-4D97-AF65-F5344CB8AC3E}">
+        <p14:creationId xmlns:p14="http://schemas.microsoft.com/office/powerpoint/2010/main" val="3847484475"/>
+      </p:ext>
+    </p:extLst>
+  </p:cSld>
+  <p:clrMapOvr>
+    <a:masterClrMapping/>
+  </p:clrMapOvr>
+</p:sld>
+</file>
+
+<file path=ppt/slides/slide5.xml><?xml version="1.0" encoding="utf-8"?>
 <p:sld xmlns:a="http://schemas.openxmlformats.org/drawingml/2006/main" xmlns:r="http://schemas.openxmlformats.org/officeDocument/2006/relationships" xmlns:p="http://schemas.openxmlformats.org/presentationml/2006/main">
   <p:cSld>
     <p:spTree>
@@ -3801,115 +3954,6 @@
 </p:sld>
 </file>
 
-<file path=ppt/slides/slide5.xml><?xml version="1.0" encoding="utf-8"?>
-<p:sld xmlns:a="http://schemas.openxmlformats.org/drawingml/2006/main" xmlns:r="http://schemas.openxmlformats.org/officeDocument/2006/relationships" xmlns:p="http://schemas.openxmlformats.org/presentationml/2006/main">
-  <p:cSld>
-    <p:spTree>
-      <p:nvGrpSpPr>
-        <p:cNvPr id="1" name=""/>
-        <p:cNvGrpSpPr/>
-        <p:nvPr/>
-      </p:nvGrpSpPr>
-      <p:grpSpPr>
-        <a:xfrm>
-          <a:off x="0" y="0"/>
-          <a:ext cx="0" cy="0"/>
-          <a:chOff x="0" y="0"/>
-          <a:chExt cx="0" cy="0"/>
-        </a:xfrm>
-      </p:grpSpPr>
-      <p:sp>
-        <p:nvSpPr>
-          <p:cNvPr id="2" name="Titre 1"/>
-          <p:cNvSpPr>
-            <a:spLocks noGrp="1"/>
-          </p:cNvSpPr>
-          <p:nvPr>
-            <p:ph type="title"/>
-          </p:nvPr>
-        </p:nvSpPr>
-        <p:spPr/>
-        <p:txBody>
-          <a:bodyPr/>
-          <a:lstStyle/>
-          <a:p>
-            <a:r>
-              <a:rPr lang="fr-CH" dirty="0" smtClean="0"/>
-              <a:t>Difficultés</a:t>
-            </a:r>
-            <a:endParaRPr lang="fr-CH" dirty="0"/>
-          </a:p>
-        </p:txBody>
-      </p:sp>
-      <p:sp>
-        <p:nvSpPr>
-          <p:cNvPr id="3" name="Espace réservé du contenu 2"/>
-          <p:cNvSpPr>
-            <a:spLocks noGrp="1"/>
-          </p:cNvSpPr>
-          <p:nvPr>
-            <p:ph idx="1"/>
-          </p:nvPr>
-        </p:nvSpPr>
-        <p:spPr/>
-        <p:txBody>
-          <a:bodyPr/>
-          <a:lstStyle/>
-          <a:p>
-            <a:pPr marL="800100" lvl="1" indent="-342900"/>
-            <a:r>
-              <a:rPr lang="fr-CH" b="1" dirty="0" smtClean="0"/>
-              <a:t>Temporelle</a:t>
-            </a:r>
-          </a:p>
-          <a:p>
-            <a:pPr marL="1485900" lvl="2" indent="-342900"/>
-            <a:r>
-              <a:rPr lang="fr-CH" dirty="0" smtClean="0"/>
-              <a:t>Projet trop ambitieux pour le temps aparté</a:t>
-            </a:r>
-          </a:p>
-          <a:p>
-            <a:pPr marL="800100" lvl="1" indent="-342900"/>
-            <a:r>
-              <a:rPr lang="fr-CH" b="1" dirty="0" smtClean="0"/>
-              <a:t>Implémentation</a:t>
-            </a:r>
-          </a:p>
-          <a:p>
-            <a:pPr marL="1485900" lvl="2" indent="-342900"/>
-            <a:r>
-              <a:rPr lang="fr-CH" dirty="0" smtClean="0"/>
-              <a:t>Visiteur – décorateur</a:t>
-            </a:r>
-          </a:p>
-          <a:p>
-            <a:pPr marL="1485900" lvl="2" indent="-342900"/>
-            <a:r>
-              <a:rPr lang="fr-CH" dirty="0" smtClean="0"/>
-              <a:t>Mettre des visiteurs partout (mauvaise idée)</a:t>
-            </a:r>
-            <a:endParaRPr lang="fr-CH" dirty="0"/>
-          </a:p>
-          <a:p>
-            <a:pPr marL="1485900" lvl="2" indent="-342900"/>
-            <a:endParaRPr lang="fr-CH" dirty="0" smtClean="0"/>
-          </a:p>
-        </p:txBody>
-      </p:sp>
-    </p:spTree>
-    <p:extLst>
-      <p:ext uri="{BB962C8B-B14F-4D97-AF65-F5344CB8AC3E}">
-        <p14:creationId xmlns:p14="http://schemas.microsoft.com/office/powerpoint/2010/main" val="1930054929"/>
-      </p:ext>
-    </p:extLst>
-  </p:cSld>
-  <p:clrMapOvr>
-    <a:masterClrMapping/>
-  </p:clrMapOvr>
-</p:sld>
-</file>
-
 <file path=ppt/slides/slide6.xml><?xml version="1.0" encoding="utf-8"?>
 <p:sld xmlns:a="http://schemas.openxmlformats.org/drawingml/2006/main" xmlns:r="http://schemas.openxmlformats.org/officeDocument/2006/relationships" xmlns:p="http://schemas.openxmlformats.org/presentationml/2006/main">
   <p:cSld>
@@ -3944,7 +3988,7 @@
           <a:p>
             <a:r>
               <a:rPr lang="fr-CH" dirty="0" smtClean="0"/>
-              <a:t>Problèmes connus</a:t>
+              <a:t>Difficultés</a:t>
             </a:r>
             <a:endParaRPr lang="fr-CH" dirty="0"/>
           </a:p>
@@ -3965,14 +4009,51 @@
           <a:bodyPr/>
           <a:lstStyle/>
           <a:p>
+            <a:pPr marL="800100" lvl="1" indent="-342900"/>
+            <a:r>
+              <a:rPr lang="fr-CH" b="1" dirty="0" smtClean="0"/>
+              <a:t>Temporelle</a:t>
+            </a:r>
+          </a:p>
+          <a:p>
+            <a:pPr marL="1485900" lvl="2" indent="-342900"/>
+            <a:r>
+              <a:rPr lang="fr-CH" dirty="0" smtClean="0"/>
+              <a:t>Projet trop ambitieux pour le temps aparté</a:t>
+            </a:r>
+          </a:p>
+          <a:p>
+            <a:pPr marL="800100" lvl="1" indent="-342900"/>
+            <a:r>
+              <a:rPr lang="fr-CH" b="1" dirty="0" smtClean="0"/>
+              <a:t>Implémentation</a:t>
+            </a:r>
+          </a:p>
+          <a:p>
+            <a:pPr marL="1485900" lvl="2" indent="-342900"/>
+            <a:r>
+              <a:rPr lang="fr-CH" dirty="0" smtClean="0"/>
+              <a:t>Visiteur – décorateur</a:t>
+            </a:r>
+          </a:p>
+          <a:p>
+            <a:pPr marL="1485900" lvl="2" indent="-342900"/>
+            <a:r>
+              <a:rPr lang="fr-CH" dirty="0" smtClean="0"/>
+              <a:t>Mettre des visiteurs partout (mauvaise idée)</a:t>
+            </a:r>
             <a:endParaRPr lang="fr-CH" dirty="0"/>
+          </a:p>
+          <a:p>
+            <a:pPr marL="1485900" lvl="2" indent="-342900"/>
+            <a:endParaRPr lang="fr-CH" dirty="0" smtClean="0"/>
           </a:p>
         </p:txBody>
       </p:sp>
     </p:spTree>
     <p:extLst>
       <p:ext uri="{BB962C8B-B14F-4D97-AF65-F5344CB8AC3E}">
-        <p14:creationId xmlns:p14="http://schemas.microsoft.com/office/powerpoint/2010/main" val="2879610821"/>
+        <p14:creationId xmlns:p14="http://schemas.microsoft.com/office/powerpoint/2010/main" val="1930054929"/>
       </p:ext>
     </p:extLst>
   </p:cSld>
@@ -4016,7 +4097,7 @@
           <a:p>
             <a:r>
               <a:rPr lang="fr-CH" dirty="0" smtClean="0"/>
-              <a:t>Démonstration</a:t>
+              <a:t>Problèmes connus</a:t>
             </a:r>
             <a:endParaRPr lang="fr-CH" dirty="0"/>
           </a:p>
@@ -4037,14 +4118,14 @@
           <a:bodyPr/>
           <a:lstStyle/>
           <a:p>
-            <a:endParaRPr lang="fr-CH"/>
+            <a:endParaRPr lang="fr-CH" dirty="0"/>
           </a:p>
         </p:txBody>
       </p:sp>
     </p:spTree>
     <p:extLst>
       <p:ext uri="{BB962C8B-B14F-4D97-AF65-F5344CB8AC3E}">
-        <p14:creationId xmlns:p14="http://schemas.microsoft.com/office/powerpoint/2010/main" val="894543519"/>
+        <p14:creationId xmlns:p14="http://schemas.microsoft.com/office/powerpoint/2010/main" val="2879610821"/>
       </p:ext>
     </p:extLst>
   </p:cSld>
@@ -4088,6 +4169,78 @@
           <a:p>
             <a:r>
               <a:rPr lang="fr-CH" dirty="0" smtClean="0"/>
+              <a:t>Démonstration</a:t>
+            </a:r>
+            <a:endParaRPr lang="fr-CH" dirty="0"/>
+          </a:p>
+        </p:txBody>
+      </p:sp>
+      <p:sp>
+        <p:nvSpPr>
+          <p:cNvPr id="3" name="Espace réservé du contenu 2"/>
+          <p:cNvSpPr>
+            <a:spLocks noGrp="1"/>
+          </p:cNvSpPr>
+          <p:nvPr>
+            <p:ph idx="1"/>
+          </p:nvPr>
+        </p:nvSpPr>
+        <p:spPr/>
+        <p:txBody>
+          <a:bodyPr/>
+          <a:lstStyle/>
+          <a:p>
+            <a:endParaRPr lang="fr-CH"/>
+          </a:p>
+        </p:txBody>
+      </p:sp>
+    </p:spTree>
+    <p:extLst>
+      <p:ext uri="{BB962C8B-B14F-4D97-AF65-F5344CB8AC3E}">
+        <p14:creationId xmlns:p14="http://schemas.microsoft.com/office/powerpoint/2010/main" val="894543519"/>
+      </p:ext>
+    </p:extLst>
+  </p:cSld>
+  <p:clrMapOvr>
+    <a:masterClrMapping/>
+  </p:clrMapOvr>
+</p:sld>
+</file>
+
+<file path=ppt/slides/slide9.xml><?xml version="1.0" encoding="utf-8"?>
+<p:sld xmlns:a="http://schemas.openxmlformats.org/drawingml/2006/main" xmlns:r="http://schemas.openxmlformats.org/officeDocument/2006/relationships" xmlns:p="http://schemas.openxmlformats.org/presentationml/2006/main">
+  <p:cSld>
+    <p:spTree>
+      <p:nvGrpSpPr>
+        <p:cNvPr id="1" name=""/>
+        <p:cNvGrpSpPr/>
+        <p:nvPr/>
+      </p:nvGrpSpPr>
+      <p:grpSpPr>
+        <a:xfrm>
+          <a:off x="0" y="0"/>
+          <a:ext cx="0" cy="0"/>
+          <a:chOff x="0" y="0"/>
+          <a:chExt cx="0" cy="0"/>
+        </a:xfrm>
+      </p:grpSpPr>
+      <p:sp>
+        <p:nvSpPr>
+          <p:cNvPr id="2" name="Titre 1"/>
+          <p:cNvSpPr>
+            <a:spLocks noGrp="1"/>
+          </p:cNvSpPr>
+          <p:nvPr>
+            <p:ph type="title"/>
+          </p:nvPr>
+        </p:nvSpPr>
+        <p:spPr/>
+        <p:txBody>
+          <a:bodyPr/>
+          <a:lstStyle/>
+          <a:p>
+            <a:r>
+              <a:rPr lang="fr-CH" dirty="0" smtClean="0"/>
               <a:t>Conclusion</a:t>
             </a:r>
             <a:endParaRPr lang="fr-CH" dirty="0"/>
@@ -4133,7 +4286,7 @@
             <a:pPr marL="800100" lvl="1" indent="-342900"/>
             <a:r>
               <a:rPr lang="fr-CH" b="1" dirty="0" smtClean="0"/>
-              <a:t>Mettre de </a:t>
+              <a:t>Mettre des </a:t>
             </a:r>
             <a:r>
               <a:rPr lang="fr-CH" b="1" dirty="0" err="1" smtClean="0"/>
